--- a/交接注意事項_.pptx
+++ b/交接注意事項_.pptx
@@ -308,7 +308,7 @@
           <a:p>
             <a:fld id="{79E4D1B4-AD64-3E4D-9162-87935B88F268}" type="datetimeFigureOut">
               <a:rPr kumimoji="1" lang="zh-TW" altLang="en-US" smtClean="0"/>
-              <a:t>2022/10/18</a:t>
+              <a:t>2022/10/24</a:t>
             </a:fld>
             <a:endParaRPr kumimoji="1" lang="zh-TW" altLang="en-US"/>
           </a:p>
@@ -506,7 +506,7 @@
           <a:p>
             <a:fld id="{79E4D1B4-AD64-3E4D-9162-87935B88F268}" type="datetimeFigureOut">
               <a:rPr kumimoji="1" lang="zh-TW" altLang="en-US" smtClean="0"/>
-              <a:t>2022/10/18</a:t>
+              <a:t>2022/10/24</a:t>
             </a:fld>
             <a:endParaRPr kumimoji="1" lang="zh-TW" altLang="en-US"/>
           </a:p>
@@ -714,7 +714,7 @@
           <a:p>
             <a:fld id="{79E4D1B4-AD64-3E4D-9162-87935B88F268}" type="datetimeFigureOut">
               <a:rPr kumimoji="1" lang="zh-TW" altLang="en-US" smtClean="0"/>
-              <a:t>2022/10/18</a:t>
+              <a:t>2022/10/24</a:t>
             </a:fld>
             <a:endParaRPr kumimoji="1" lang="zh-TW" altLang="en-US"/>
           </a:p>
@@ -912,7 +912,7 @@
           <a:p>
             <a:fld id="{79E4D1B4-AD64-3E4D-9162-87935B88F268}" type="datetimeFigureOut">
               <a:rPr kumimoji="1" lang="zh-TW" altLang="en-US" smtClean="0"/>
-              <a:t>2022/10/18</a:t>
+              <a:t>2022/10/24</a:t>
             </a:fld>
             <a:endParaRPr kumimoji="1" lang="zh-TW" altLang="en-US"/>
           </a:p>
@@ -1187,7 +1187,7 @@
           <a:p>
             <a:fld id="{79E4D1B4-AD64-3E4D-9162-87935B88F268}" type="datetimeFigureOut">
               <a:rPr kumimoji="1" lang="zh-TW" altLang="en-US" smtClean="0"/>
-              <a:t>2022/10/18</a:t>
+              <a:t>2022/10/24</a:t>
             </a:fld>
             <a:endParaRPr kumimoji="1" lang="zh-TW" altLang="en-US"/>
           </a:p>
@@ -1452,7 +1452,7 @@
           <a:p>
             <a:fld id="{79E4D1B4-AD64-3E4D-9162-87935B88F268}" type="datetimeFigureOut">
               <a:rPr kumimoji="1" lang="zh-TW" altLang="en-US" smtClean="0"/>
-              <a:t>2022/10/18</a:t>
+              <a:t>2022/10/24</a:t>
             </a:fld>
             <a:endParaRPr kumimoji="1" lang="zh-TW" altLang="en-US"/>
           </a:p>
@@ -1864,7 +1864,7 @@
           <a:p>
             <a:fld id="{79E4D1B4-AD64-3E4D-9162-87935B88F268}" type="datetimeFigureOut">
               <a:rPr kumimoji="1" lang="zh-TW" altLang="en-US" smtClean="0"/>
-              <a:t>2022/10/18</a:t>
+              <a:t>2022/10/24</a:t>
             </a:fld>
             <a:endParaRPr kumimoji="1" lang="zh-TW" altLang="en-US"/>
           </a:p>
@@ -2005,7 +2005,7 @@
           <a:p>
             <a:fld id="{79E4D1B4-AD64-3E4D-9162-87935B88F268}" type="datetimeFigureOut">
               <a:rPr kumimoji="1" lang="zh-TW" altLang="en-US" smtClean="0"/>
-              <a:t>2022/10/18</a:t>
+              <a:t>2022/10/24</a:t>
             </a:fld>
             <a:endParaRPr kumimoji="1" lang="zh-TW" altLang="en-US"/>
           </a:p>
@@ -2118,7 +2118,7 @@
           <a:p>
             <a:fld id="{79E4D1B4-AD64-3E4D-9162-87935B88F268}" type="datetimeFigureOut">
               <a:rPr kumimoji="1" lang="zh-TW" altLang="en-US" smtClean="0"/>
-              <a:t>2022/10/18</a:t>
+              <a:t>2022/10/24</a:t>
             </a:fld>
             <a:endParaRPr kumimoji="1" lang="zh-TW" altLang="en-US"/>
           </a:p>
@@ -2429,7 +2429,7 @@
           <a:p>
             <a:fld id="{79E4D1B4-AD64-3E4D-9162-87935B88F268}" type="datetimeFigureOut">
               <a:rPr kumimoji="1" lang="zh-TW" altLang="en-US" smtClean="0"/>
-              <a:t>2022/10/18</a:t>
+              <a:t>2022/10/24</a:t>
             </a:fld>
             <a:endParaRPr kumimoji="1" lang="zh-TW" altLang="en-US"/>
           </a:p>
@@ -2717,7 +2717,7 @@
           <a:p>
             <a:fld id="{79E4D1B4-AD64-3E4D-9162-87935B88F268}" type="datetimeFigureOut">
               <a:rPr kumimoji="1" lang="zh-TW" altLang="en-US" smtClean="0"/>
-              <a:t>2022/10/18</a:t>
+              <a:t>2022/10/24</a:t>
             </a:fld>
             <a:endParaRPr kumimoji="1" lang="zh-TW" altLang="en-US"/>
           </a:p>
@@ -2958,7 +2958,7 @@
           <a:p>
             <a:fld id="{79E4D1B4-AD64-3E4D-9162-87935B88F268}" type="datetimeFigureOut">
               <a:rPr kumimoji="1" lang="zh-TW" altLang="en-US" smtClean="0"/>
-              <a:t>2022/10/18</a:t>
+              <a:t>2022/10/24</a:t>
             </a:fld>
             <a:endParaRPr kumimoji="1" lang="zh-TW" altLang="en-US"/>
           </a:p>
@@ -6301,7 +6301,15 @@
             </a:r>
             <a:r>
               <a:rPr kumimoji="1" lang="en-US" altLang="zh-TW" dirty="0"/>
-              <a:t> apt-get {</a:t>
+              <a:t> </a:t>
+            </a:r>
+            <a:r>
+              <a:rPr kumimoji="1" lang="en-US" altLang="zh-TW"/>
+              <a:t>apt-get install </a:t>
+            </a:r>
+            <a:r>
+              <a:rPr kumimoji="1" lang="en-US" altLang="zh-TW" dirty="0"/>
+              <a:t>{</a:t>
             </a:r>
             <a:r>
               <a:rPr kumimoji="1" lang="en-US" altLang="zh-TW" dirty="0" err="1"/>
